--- a/presentations/8.19.20_Makowski_Kinnunen_update.pptx
+++ b/presentations/8.19.20_Makowski_Kinnunen_update.pptx
@@ -292,7 +292,7 @@
           <a:p>
             <a:fld id="{329222D9-6DCD-43C0-9E1F-94916385B60F}" type="datetimeFigureOut">
               <a:rPr lang="en-US" smtClean="0"/>
-              <a:t>8/19/2020</a:t>
+              <a:t>9/8/2020</a:t>
             </a:fld>
             <a:endParaRPr lang="en-US"/>
           </a:p>
@@ -490,7 +490,7 @@
           <a:p>
             <a:fld id="{329222D9-6DCD-43C0-9E1F-94916385B60F}" type="datetimeFigureOut">
               <a:rPr lang="en-US" smtClean="0"/>
-              <a:t>8/19/2020</a:t>
+              <a:t>9/8/2020</a:t>
             </a:fld>
             <a:endParaRPr lang="en-US"/>
           </a:p>
@@ -698,7 +698,7 @@
           <a:p>
             <a:fld id="{329222D9-6DCD-43C0-9E1F-94916385B60F}" type="datetimeFigureOut">
               <a:rPr lang="en-US" smtClean="0"/>
-              <a:t>8/19/2020</a:t>
+              <a:t>9/8/2020</a:t>
             </a:fld>
             <a:endParaRPr lang="en-US"/>
           </a:p>
@@ -896,7 +896,7 @@
           <a:p>
             <a:fld id="{329222D9-6DCD-43C0-9E1F-94916385B60F}" type="datetimeFigureOut">
               <a:rPr lang="en-US" smtClean="0"/>
-              <a:t>8/19/2020</a:t>
+              <a:t>9/8/2020</a:t>
             </a:fld>
             <a:endParaRPr lang="en-US"/>
           </a:p>
@@ -1171,7 +1171,7 @@
           <a:p>
             <a:fld id="{329222D9-6DCD-43C0-9E1F-94916385B60F}" type="datetimeFigureOut">
               <a:rPr lang="en-US" smtClean="0"/>
-              <a:t>8/19/2020</a:t>
+              <a:t>9/8/2020</a:t>
             </a:fld>
             <a:endParaRPr lang="en-US"/>
           </a:p>
@@ -1436,7 +1436,7 @@
           <a:p>
             <a:fld id="{329222D9-6DCD-43C0-9E1F-94916385B60F}" type="datetimeFigureOut">
               <a:rPr lang="en-US" smtClean="0"/>
-              <a:t>8/19/2020</a:t>
+              <a:t>9/8/2020</a:t>
             </a:fld>
             <a:endParaRPr lang="en-US"/>
           </a:p>
@@ -1848,7 +1848,7 @@
           <a:p>
             <a:fld id="{329222D9-6DCD-43C0-9E1F-94916385B60F}" type="datetimeFigureOut">
               <a:rPr lang="en-US" smtClean="0"/>
-              <a:t>8/19/2020</a:t>
+              <a:t>9/8/2020</a:t>
             </a:fld>
             <a:endParaRPr lang="en-US"/>
           </a:p>
@@ -1989,7 +1989,7 @@
           <a:p>
             <a:fld id="{329222D9-6DCD-43C0-9E1F-94916385B60F}" type="datetimeFigureOut">
               <a:rPr lang="en-US" smtClean="0"/>
-              <a:t>8/19/2020</a:t>
+              <a:t>9/8/2020</a:t>
             </a:fld>
             <a:endParaRPr lang="en-US"/>
           </a:p>
@@ -2102,7 +2102,7 @@
           <a:p>
             <a:fld id="{329222D9-6DCD-43C0-9E1F-94916385B60F}" type="datetimeFigureOut">
               <a:rPr lang="en-US" smtClean="0"/>
-              <a:t>8/19/2020</a:t>
+              <a:t>9/8/2020</a:t>
             </a:fld>
             <a:endParaRPr lang="en-US"/>
           </a:p>
@@ -2413,7 +2413,7 @@
           <a:p>
             <a:fld id="{329222D9-6DCD-43C0-9E1F-94916385B60F}" type="datetimeFigureOut">
               <a:rPr lang="en-US" smtClean="0"/>
-              <a:t>8/19/2020</a:t>
+              <a:t>9/8/2020</a:t>
             </a:fld>
             <a:endParaRPr lang="en-US"/>
           </a:p>
@@ -2701,7 +2701,7 @@
           <a:p>
             <a:fld id="{329222D9-6DCD-43C0-9E1F-94916385B60F}" type="datetimeFigureOut">
               <a:rPr lang="en-US" smtClean="0"/>
-              <a:t>8/19/2020</a:t>
+              <a:t>9/8/2020</a:t>
             </a:fld>
             <a:endParaRPr lang="en-US"/>
           </a:p>
@@ -2942,7 +2942,7 @@
           <a:p>
             <a:fld id="{329222D9-6DCD-43C0-9E1F-94916385B60F}" type="datetimeFigureOut">
               <a:rPr lang="en-US" smtClean="0"/>
-              <a:t>8/19/2020</a:t>
+              <a:t>9/8/2020</a:t>
             </a:fld>
             <a:endParaRPr lang="en-US"/>
           </a:p>
@@ -14315,7 +14315,7 @@
           <p:nvPr>
             <p:extLst>
               <p:ext uri="{D42A27DB-BD31-4B8C-83A1-F6EECF244321}">
-                <p14:modId xmlns:p14="http://schemas.microsoft.com/office/powerpoint/2010/main" val="244426737"/>
+                <p14:modId xmlns:p14="http://schemas.microsoft.com/office/powerpoint/2010/main" val="1674286980"/>
               </p:ext>
             </p:extLst>
           </p:nvPr>
@@ -14903,9 +14903,7 @@
                       <a:headEnd type="none" w="med" len="med"/>
                       <a:tailEnd type="none" w="med" len="med"/>
                     </a:lnB>
-                    <a:solidFill>
-                      <a:srgbClr val="FF8585"/>
-                    </a:solidFill>
+                    <a:noFill/>
                   </a:tcPr>
                 </a:tc>
                 <a:tc>
@@ -14945,9 +14943,7 @@
                       <a:headEnd type="none" w="med" len="med"/>
                       <a:tailEnd type="none" w="med" len="med"/>
                     </a:lnB>
-                    <a:solidFill>
-                      <a:srgbClr val="FFFFFF"/>
-                    </a:solidFill>
+                    <a:noFill/>
                   </a:tcPr>
                 </a:tc>
                 <a:tc>
@@ -14988,7 +14984,7 @@
                       <a:tailEnd type="none" w="med" len="med"/>
                     </a:lnB>
                     <a:solidFill>
-                      <a:srgbClr val="FFFFFF"/>
+                      <a:srgbClr val="FF8585"/>
                     </a:solidFill>
                   </a:tcPr>
                 </a:tc>
@@ -19300,7 +19296,7 @@
         </p:nvSpPr>
         <p:spPr>
           <a:xfrm>
-            <a:off x="2391914" y="1064973"/>
+            <a:off x="2438480" y="1036004"/>
             <a:ext cx="651934" cy="261610"/>
           </a:xfrm>
           <a:prstGeom prst="rect">
@@ -19322,8 +19318,12 @@
           <a:lstStyle/>
           <a:p>
             <a:r>
+              <a:rPr lang="en-US" sz="1100"/>
+              <a:t>95    </a:t>
+            </a:r>
+            <a:r>
               <a:rPr lang="en-US" sz="1100" dirty="0"/>
-              <a:t>93    97</a:t>
+              <a:t>97</a:t>
             </a:r>
           </a:p>
         </p:txBody>
@@ -24178,8 +24178,8 @@
           </a:p>
         </p:txBody>
       </p:sp>
-      <mc:AlternateContent xmlns:mc="http://schemas.openxmlformats.org/markup-compatibility/2006">
-        <mc:Choice xmlns:a14="http://schemas.microsoft.com/office/drawing/2010/main" Requires="a14">
+      <mc:AlternateContent xmlns:mc="http://schemas.openxmlformats.org/markup-compatibility/2006" xmlns:a14="http://schemas.microsoft.com/office/drawing/2010/main">
+        <mc:Choice Requires="a14">
           <p:sp>
             <p:nvSpPr>
               <p:cNvPr id="5" name="TextBox 4"/>
@@ -24453,7 +24453,7 @@
             </p:txBody>
           </p:sp>
         </mc:Choice>
-        <mc:Fallback>
+        <mc:Fallback xmlns="">
           <p:sp>
             <p:nvSpPr>
               <p:cNvPr id="5" name="TextBox 4"/>
